--- a/Ch01 JSP 개요_원리를 이해하고 개발 환경 구축하기.pptx
+++ b/Ch01 JSP 개요_원리를 이해하고 개발 환경 구축하기.pptx
@@ -217,10 +217,6 @@
 </p:presentation>
 </file>
 
-<file path=ppt/revisionInfo.xml><?xml version="1.0" encoding="utf-8"?>
-<p1510:revInfo xmlns:a="http://schemas.openxmlformats.org/drawingml/2006/main" xmlns:r="http://schemas.openxmlformats.org/officeDocument/2006/relationships" xmlns:p1510="http://schemas.microsoft.com/office/powerpoint/2015/10/main"/>
-</file>
-
 <file path=ppt/handoutMasters/handoutMaster1.xml><?xml version="1.0" encoding="utf-8"?>
 <p:handoutMaster xmlns:a="http://schemas.openxmlformats.org/drawingml/2006/main" xmlns:r="http://schemas.openxmlformats.org/officeDocument/2006/relationships" xmlns:p="http://schemas.openxmlformats.org/presentationml/2006/main">
   <p:cSld>
@@ -339,7 +335,7 @@
               <a:pPr>
                 <a:defRPr/>
               </a:pPr>
-              <a:t>2019-08-24</a:t>
+              <a:t>2019-12-17</a:t>
             </a:fld>
             <a:endParaRPr lang="en-US" altLang="ko-KR"/>
           </a:p>
@@ -544,7 +540,7 @@
               <a:pPr>
                 <a:defRPr/>
               </a:pPr>
-              <a:t>2019-08-24</a:t>
+              <a:t>2019-12-17</a:t>
             </a:fld>
             <a:endParaRPr lang="ko-KR" altLang="en-US"/>
           </a:p>
@@ -1309,7 +1305,7 @@
           <p:cNvPr id="9" name="TextBox 8">
             <a:extLst>
               <a:ext uri="{FF2B5EF4-FFF2-40B4-BE49-F238E27FC236}">
-                <a16:creationId xmlns:a16="http://schemas.microsoft.com/office/drawing/2014/main" xmlns="" id="{C8BF1E9C-21A3-41D4-8B65-A0F4F21F6AC7}"/>
+                <a16:creationId xmlns:a16="http://schemas.microsoft.com/office/drawing/2014/main" id="{C8BF1E9C-21A3-41D4-8B65-A0F4F21F6AC7}"/>
               </a:ext>
             </a:extLst>
           </p:cNvPr>
@@ -3027,7 +3023,7 @@
           <p:cNvPr id="4" name="제목 3">
             <a:extLst>
               <a:ext uri="{FF2B5EF4-FFF2-40B4-BE49-F238E27FC236}">
-                <a16:creationId xmlns:a16="http://schemas.microsoft.com/office/drawing/2014/main" xmlns="" id="{67A2974C-7739-4357-8BA1-6512988C56DD}"/>
+                <a16:creationId xmlns:a16="http://schemas.microsoft.com/office/drawing/2014/main" id="{67A2974C-7739-4357-8BA1-6512988C56DD}"/>
               </a:ext>
             </a:extLst>
           </p:cNvPr>
@@ -3067,7 +3063,7 @@
           <p:cNvPr id="6" name="그림 5">
             <a:extLst>
               <a:ext uri="{FF2B5EF4-FFF2-40B4-BE49-F238E27FC236}">
-                <a16:creationId xmlns:a16="http://schemas.microsoft.com/office/drawing/2014/main" xmlns="" id="{AB27DF8D-6619-4678-A754-8FFFF9CE391C}"/>
+                <a16:creationId xmlns:a16="http://schemas.microsoft.com/office/drawing/2014/main" id="{AB27DF8D-6619-4678-A754-8FFFF9CE391C}"/>
               </a:ext>
             </a:extLst>
           </p:cNvPr>
@@ -3202,7 +3198,7 @@
           <p:cNvPr id="2" name="제목 1">
             <a:extLst>
               <a:ext uri="{FF2B5EF4-FFF2-40B4-BE49-F238E27FC236}">
-                <a16:creationId xmlns:a16="http://schemas.microsoft.com/office/drawing/2014/main" xmlns="" id="{E7E7A18D-D4D2-45D7-9F89-F0CB92B28FE6}"/>
+                <a16:creationId xmlns:a16="http://schemas.microsoft.com/office/drawing/2014/main" id="{E7E7A18D-D4D2-45D7-9F89-F0CB92B28FE6}"/>
               </a:ext>
             </a:extLst>
           </p:cNvPr>
@@ -3373,7 +3369,7 @@
           <p:cNvPr id="2" name="제목 1">
             <a:extLst>
               <a:ext uri="{FF2B5EF4-FFF2-40B4-BE49-F238E27FC236}">
-                <a16:creationId xmlns:a16="http://schemas.microsoft.com/office/drawing/2014/main" xmlns="" id="{1901C743-8982-4622-9860-C023ED336503}"/>
+                <a16:creationId xmlns:a16="http://schemas.microsoft.com/office/drawing/2014/main" id="{1901C743-8982-4622-9860-C023ED336503}"/>
               </a:ext>
             </a:extLst>
           </p:cNvPr>
@@ -3532,7 +3528,7 @@
           <p:cNvPr id="2" name="제목 1">
             <a:extLst>
               <a:ext uri="{FF2B5EF4-FFF2-40B4-BE49-F238E27FC236}">
-                <a16:creationId xmlns:a16="http://schemas.microsoft.com/office/drawing/2014/main" xmlns="" id="{DCE4B885-742A-4D88-B6B8-1E489EAE5DE6}"/>
+                <a16:creationId xmlns:a16="http://schemas.microsoft.com/office/drawing/2014/main" id="{DCE4B885-742A-4D88-B6B8-1E489EAE5DE6}"/>
               </a:ext>
             </a:extLst>
           </p:cNvPr>
@@ -3835,7 +3831,7 @@
           <p:cNvPr id="2" name="제목 1">
             <a:extLst>
               <a:ext uri="{FF2B5EF4-FFF2-40B4-BE49-F238E27FC236}">
-                <a16:creationId xmlns:a16="http://schemas.microsoft.com/office/drawing/2014/main" xmlns="" id="{AD946C1F-1EC0-4E57-B6BD-F5D89E8260CD}"/>
+                <a16:creationId xmlns:a16="http://schemas.microsoft.com/office/drawing/2014/main" id="{AD946C1F-1EC0-4E57-B6BD-F5D89E8260CD}"/>
               </a:ext>
             </a:extLst>
           </p:cNvPr>
@@ -4172,7 +4168,7 @@
           <p:cNvPr id="2" name="제목 1">
             <a:extLst>
               <a:ext uri="{FF2B5EF4-FFF2-40B4-BE49-F238E27FC236}">
-                <a16:creationId xmlns:a16="http://schemas.microsoft.com/office/drawing/2014/main" xmlns="" id="{E7823FBA-7288-42BB-AC77-588ED1F35344}"/>
+                <a16:creationId xmlns:a16="http://schemas.microsoft.com/office/drawing/2014/main" id="{E7823FBA-7288-42BB-AC77-588ED1F35344}"/>
               </a:ext>
             </a:extLst>
           </p:cNvPr>
@@ -4552,7 +4548,7 @@
           <p:cNvPr id="2" name="제목 1">
             <a:extLst>
               <a:ext uri="{FF2B5EF4-FFF2-40B4-BE49-F238E27FC236}">
-                <a16:creationId xmlns:a16="http://schemas.microsoft.com/office/drawing/2014/main" xmlns="" id="{1586D4AF-B870-4E6B-934F-549E6F04C649}"/>
+                <a16:creationId xmlns:a16="http://schemas.microsoft.com/office/drawing/2014/main" id="{1586D4AF-B870-4E6B-934F-549E6F04C649}"/>
               </a:ext>
             </a:extLst>
           </p:cNvPr>
@@ -4795,7 +4791,7 @@
           <p:cNvPr id="2" name="제목 1">
             <a:extLst>
               <a:ext uri="{FF2B5EF4-FFF2-40B4-BE49-F238E27FC236}">
-                <a16:creationId xmlns:a16="http://schemas.microsoft.com/office/drawing/2014/main" xmlns="" id="{CD2E0F50-D490-47C0-8106-FF8672120CFB}"/>
+                <a16:creationId xmlns:a16="http://schemas.microsoft.com/office/drawing/2014/main" id="{CD2E0F50-D490-47C0-8106-FF8672120CFB}"/>
               </a:ext>
             </a:extLst>
           </p:cNvPr>
@@ -5028,7 +5024,7 @@
           <p:cNvPr id="2" name="제목 1">
             <a:extLst>
               <a:ext uri="{FF2B5EF4-FFF2-40B4-BE49-F238E27FC236}">
-                <a16:creationId xmlns:a16="http://schemas.microsoft.com/office/drawing/2014/main" xmlns="" id="{89565DA2-317C-427B-B907-AA1155983270}"/>
+                <a16:creationId xmlns:a16="http://schemas.microsoft.com/office/drawing/2014/main" id="{89565DA2-317C-427B-B907-AA1155983270}"/>
               </a:ext>
             </a:extLst>
           </p:cNvPr>
@@ -5262,7 +5258,7 @@
           <p:cNvPr id="2" name="제목 1">
             <a:extLst>
               <a:ext uri="{FF2B5EF4-FFF2-40B4-BE49-F238E27FC236}">
-                <a16:creationId xmlns:a16="http://schemas.microsoft.com/office/drawing/2014/main" xmlns="" id="{A7496C94-F3E4-44F3-8102-57DB53635BCE}"/>
+                <a16:creationId xmlns:a16="http://schemas.microsoft.com/office/drawing/2014/main" id="{A7496C94-F3E4-44F3-8102-57DB53635BCE}"/>
               </a:ext>
             </a:extLst>
           </p:cNvPr>
@@ -5483,7 +5479,7 @@
           <p:cNvPr id="3" name="Rectangle 3">
             <a:extLst>
               <a:ext uri="{FF2B5EF4-FFF2-40B4-BE49-F238E27FC236}">
-                <a16:creationId xmlns:a16="http://schemas.microsoft.com/office/drawing/2014/main" xmlns="" id="{15179EC9-C880-4310-8BB5-61D6DEA36D93}"/>
+                <a16:creationId xmlns:a16="http://schemas.microsoft.com/office/drawing/2014/main" id="{15179EC9-C880-4310-8BB5-61D6DEA36D93}"/>
               </a:ext>
             </a:extLst>
           </p:cNvPr>
@@ -5547,7 +5543,7 @@
           <p:cNvPr id="4" name="TextBox 12">
             <a:extLst>
               <a:ext uri="{FF2B5EF4-FFF2-40B4-BE49-F238E27FC236}">
-                <a16:creationId xmlns:a16="http://schemas.microsoft.com/office/drawing/2014/main" xmlns="" id="{0C793EB3-440C-4247-96D7-06FEFF4152E4}"/>
+                <a16:creationId xmlns:a16="http://schemas.microsoft.com/office/drawing/2014/main" id="{0C793EB3-440C-4247-96D7-06FEFF4152E4}"/>
               </a:ext>
             </a:extLst>
           </p:cNvPr>
@@ -5699,7 +5695,7 @@
           <p:cNvPr id="5" name="Oval 4">
             <a:extLst>
               <a:ext uri="{FF2B5EF4-FFF2-40B4-BE49-F238E27FC236}">
-                <a16:creationId xmlns:a16="http://schemas.microsoft.com/office/drawing/2014/main" xmlns="" id="{5174CD31-BF8A-404E-B363-1815188385BA}"/>
+                <a16:creationId xmlns:a16="http://schemas.microsoft.com/office/drawing/2014/main" id="{5174CD31-BF8A-404E-B363-1815188385BA}"/>
               </a:ext>
             </a:extLst>
           </p:cNvPr>
@@ -5764,7 +5760,7 @@
           <p:cNvPr id="6" name="TextBox 5">
             <a:extLst>
               <a:ext uri="{FF2B5EF4-FFF2-40B4-BE49-F238E27FC236}">
-                <a16:creationId xmlns:a16="http://schemas.microsoft.com/office/drawing/2014/main" xmlns="" id="{AB635BFB-0E90-4908-8D89-928DE4D56A3C}"/>
+                <a16:creationId xmlns:a16="http://schemas.microsoft.com/office/drawing/2014/main" id="{AB635BFB-0E90-4908-8D89-928DE4D56A3C}"/>
               </a:ext>
             </a:extLst>
           </p:cNvPr>
@@ -5811,7 +5807,7 @@
           <p:cNvPr id="7" name="Rectangle 31">
             <a:extLst>
               <a:ext uri="{FF2B5EF4-FFF2-40B4-BE49-F238E27FC236}">
-                <a16:creationId xmlns:a16="http://schemas.microsoft.com/office/drawing/2014/main" xmlns="" id="{0607668C-84D6-4A78-8A81-16F0A5C1BD5E}"/>
+                <a16:creationId xmlns:a16="http://schemas.microsoft.com/office/drawing/2014/main" id="{0607668C-84D6-4A78-8A81-16F0A5C1BD5E}"/>
               </a:ext>
             </a:extLst>
           </p:cNvPr>
@@ -5875,7 +5871,7 @@
           <p:cNvPr id="8" name="TextBox 12">
             <a:extLst>
               <a:ext uri="{FF2B5EF4-FFF2-40B4-BE49-F238E27FC236}">
-                <a16:creationId xmlns:a16="http://schemas.microsoft.com/office/drawing/2014/main" xmlns="" id="{C0A8F129-DFB5-41CC-A1A3-36627220DCD5}"/>
+                <a16:creationId xmlns:a16="http://schemas.microsoft.com/office/drawing/2014/main" id="{C0A8F129-DFB5-41CC-A1A3-36627220DCD5}"/>
               </a:ext>
             </a:extLst>
           </p:cNvPr>
@@ -6020,7 +6016,7 @@
           <p:cNvPr id="9" name="Oval 33">
             <a:extLst>
               <a:ext uri="{FF2B5EF4-FFF2-40B4-BE49-F238E27FC236}">
-                <a16:creationId xmlns:a16="http://schemas.microsoft.com/office/drawing/2014/main" xmlns="" id="{8EA7DCCE-EAAA-4A91-8FCD-B6647EED91CE}"/>
+                <a16:creationId xmlns:a16="http://schemas.microsoft.com/office/drawing/2014/main" id="{8EA7DCCE-EAAA-4A91-8FCD-B6647EED91CE}"/>
               </a:ext>
             </a:extLst>
           </p:cNvPr>
@@ -6085,7 +6081,7 @@
           <p:cNvPr id="10" name="TextBox 9">
             <a:extLst>
               <a:ext uri="{FF2B5EF4-FFF2-40B4-BE49-F238E27FC236}">
-                <a16:creationId xmlns:a16="http://schemas.microsoft.com/office/drawing/2014/main" xmlns="" id="{7853CBAF-0D9A-48E8-8B23-5E54A35CD307}"/>
+                <a16:creationId xmlns:a16="http://schemas.microsoft.com/office/drawing/2014/main" id="{7853CBAF-0D9A-48E8-8B23-5E54A35CD307}"/>
               </a:ext>
             </a:extLst>
           </p:cNvPr>
@@ -6132,7 +6128,7 @@
           <p:cNvPr id="11" name="Rectangle 36">
             <a:extLst>
               <a:ext uri="{FF2B5EF4-FFF2-40B4-BE49-F238E27FC236}">
-                <a16:creationId xmlns:a16="http://schemas.microsoft.com/office/drawing/2014/main" xmlns="" id="{B0D84BDB-03E5-48FA-A8D3-DCFD39CB59D0}"/>
+                <a16:creationId xmlns:a16="http://schemas.microsoft.com/office/drawing/2014/main" id="{B0D84BDB-03E5-48FA-A8D3-DCFD39CB59D0}"/>
               </a:ext>
             </a:extLst>
           </p:cNvPr>
@@ -6196,7 +6192,7 @@
           <p:cNvPr id="12" name="TextBox 12">
             <a:extLst>
               <a:ext uri="{FF2B5EF4-FFF2-40B4-BE49-F238E27FC236}">
-                <a16:creationId xmlns:a16="http://schemas.microsoft.com/office/drawing/2014/main" xmlns="" id="{616A9CE2-7A18-4FC0-9ECA-F1EFF4FFDF86}"/>
+                <a16:creationId xmlns:a16="http://schemas.microsoft.com/office/drawing/2014/main" id="{616A9CE2-7A18-4FC0-9ECA-F1EFF4FFDF86}"/>
               </a:ext>
             </a:extLst>
           </p:cNvPr>
@@ -6351,7 +6347,7 @@
           <p:cNvPr id="13" name="Oval 38">
             <a:extLst>
               <a:ext uri="{FF2B5EF4-FFF2-40B4-BE49-F238E27FC236}">
-                <a16:creationId xmlns:a16="http://schemas.microsoft.com/office/drawing/2014/main" xmlns="" id="{C4B585F2-7552-4961-8664-08AE6D46097C}"/>
+                <a16:creationId xmlns:a16="http://schemas.microsoft.com/office/drawing/2014/main" id="{C4B585F2-7552-4961-8664-08AE6D46097C}"/>
               </a:ext>
             </a:extLst>
           </p:cNvPr>
@@ -6412,7 +6408,7 @@
           <p:cNvPr id="14" name="TextBox 13">
             <a:extLst>
               <a:ext uri="{FF2B5EF4-FFF2-40B4-BE49-F238E27FC236}">
-                <a16:creationId xmlns:a16="http://schemas.microsoft.com/office/drawing/2014/main" xmlns="" id="{F5C8F98B-CB44-4C5B-B3F9-5C6BDBB51677}"/>
+                <a16:creationId xmlns:a16="http://schemas.microsoft.com/office/drawing/2014/main" id="{F5C8F98B-CB44-4C5B-B3F9-5C6BDBB51677}"/>
               </a:ext>
             </a:extLst>
           </p:cNvPr>
@@ -6459,7 +6455,7 @@
           <p:cNvPr id="15" name="그림 14">
             <a:extLst>
               <a:ext uri="{FF2B5EF4-FFF2-40B4-BE49-F238E27FC236}">
-                <a16:creationId xmlns:a16="http://schemas.microsoft.com/office/drawing/2014/main" xmlns="" id="{20711DDA-531B-42EC-BF4E-35E1F835F891}"/>
+                <a16:creationId xmlns:a16="http://schemas.microsoft.com/office/drawing/2014/main" id="{20711DDA-531B-42EC-BF4E-35E1F835F891}"/>
               </a:ext>
             </a:extLst>
           </p:cNvPr>
@@ -6650,7 +6646,7 @@
           <p:cNvPr id="2" name="제목 1">
             <a:extLst>
               <a:ext uri="{FF2B5EF4-FFF2-40B4-BE49-F238E27FC236}">
-                <a16:creationId xmlns:a16="http://schemas.microsoft.com/office/drawing/2014/main" xmlns="" id="{E8F490F0-F933-4200-B10D-025F5707D693}"/>
+                <a16:creationId xmlns:a16="http://schemas.microsoft.com/office/drawing/2014/main" id="{E8F490F0-F933-4200-B10D-025F5707D693}"/>
               </a:ext>
             </a:extLst>
           </p:cNvPr>
@@ -6891,7 +6887,7 @@
           <p:cNvPr id="7" name="제목 6">
             <a:extLst>
               <a:ext uri="{FF2B5EF4-FFF2-40B4-BE49-F238E27FC236}">
-                <a16:creationId xmlns:a16="http://schemas.microsoft.com/office/drawing/2014/main" xmlns="" id="{F89E70F6-88C7-4BC5-97F9-D13BA9B833A7}"/>
+                <a16:creationId xmlns:a16="http://schemas.microsoft.com/office/drawing/2014/main" id="{F89E70F6-88C7-4BC5-97F9-D13BA9B833A7}"/>
               </a:ext>
             </a:extLst>
           </p:cNvPr>
@@ -7085,15 +7081,15 @@
           <a:p>
             <a:pPr lvl="1"/>
             <a:r>
-              <a:rPr lang="en-US" altLang="ko-KR" dirty="0" smtClean="0"/>
+              <a:rPr lang="en-US" altLang="ko-KR" dirty="0"/>
               <a:t>2. </a:t>
             </a:r>
             <a:r>
-              <a:rPr lang="ko-KR" altLang="en-US" dirty="0" err="1" smtClean="0"/>
+              <a:rPr lang="ko-KR" altLang="en-US" dirty="0" err="1"/>
               <a:t>다운로드한</a:t>
             </a:r>
             <a:r>
-              <a:rPr lang="ko-KR" altLang="en-US" dirty="0" smtClean="0"/>
+              <a:rPr lang="ko-KR" altLang="en-US" dirty="0"/>
               <a:t> </a:t>
             </a:r>
             <a:r>
@@ -7118,17 +7114,12 @@
             </a:r>
             <a:r>
               <a:rPr lang="ko-KR" altLang="en-US" dirty="0"/>
-              <a:t>드라이브로 </a:t>
-            </a:r>
-            <a:r>
-              <a:rPr lang="ko-KR" altLang="en-US" dirty="0" smtClean="0"/>
-              <a:t>옮겨둡니다</a:t>
-            </a:r>
-            <a:r>
-              <a:rPr lang="en-US" altLang="ko-KR" dirty="0" smtClean="0"/>
+              <a:t>드라이브로 옮겨둡니다</a:t>
+            </a:r>
+            <a:r>
+              <a:rPr lang="en-US" altLang="ko-KR" dirty="0"/>
               <a:t>.</a:t>
             </a:r>
-            <a:endParaRPr lang="en-US" altLang="ko-KR" dirty="0"/>
           </a:p>
           <a:p>
             <a:pPr lvl="1"/>
@@ -7156,7 +7147,7 @@
           <p:cNvPr id="2" name="제목 1">
             <a:extLst>
               <a:ext uri="{FF2B5EF4-FFF2-40B4-BE49-F238E27FC236}">
-                <a16:creationId xmlns:a16="http://schemas.microsoft.com/office/drawing/2014/main" xmlns="" id="{37E898C4-FD31-43BE-93A8-1A1CDA2B3D29}"/>
+                <a16:creationId xmlns:a16="http://schemas.microsoft.com/office/drawing/2014/main" id="{37E898C4-FD31-43BE-93A8-1A1CDA2B3D29}"/>
               </a:ext>
             </a:extLst>
           </p:cNvPr>
@@ -7396,7 +7387,7 @@
           <p:cNvPr id="2" name="제목 1">
             <a:extLst>
               <a:ext uri="{FF2B5EF4-FFF2-40B4-BE49-F238E27FC236}">
-                <a16:creationId xmlns:a16="http://schemas.microsoft.com/office/drawing/2014/main" xmlns="" id="{A2B3F472-77E8-481B-8B8B-48585CBB817D}"/>
+                <a16:creationId xmlns:a16="http://schemas.microsoft.com/office/drawing/2014/main" id="{A2B3F472-77E8-481B-8B8B-48585CBB817D}"/>
               </a:ext>
             </a:extLst>
           </p:cNvPr>
@@ -7755,7 +7746,7 @@
           <p:cNvPr id="2" name="제목 1">
             <a:extLst>
               <a:ext uri="{FF2B5EF4-FFF2-40B4-BE49-F238E27FC236}">
-                <a16:creationId xmlns:a16="http://schemas.microsoft.com/office/drawing/2014/main" xmlns="" id="{5F8AAD9A-510F-48CE-A9B4-3A6444747CE4}"/>
+                <a16:creationId xmlns:a16="http://schemas.microsoft.com/office/drawing/2014/main" id="{5F8AAD9A-510F-48CE-A9B4-3A6444747CE4}"/>
               </a:ext>
             </a:extLst>
           </p:cNvPr>
@@ -8156,7 +8147,7 @@
           <p:cNvPr id="2" name="제목 1">
             <a:extLst>
               <a:ext uri="{FF2B5EF4-FFF2-40B4-BE49-F238E27FC236}">
-                <a16:creationId xmlns:a16="http://schemas.microsoft.com/office/drawing/2014/main" xmlns="" id="{CBE6E988-915F-4BA2-A4E7-FF2EE5B8DEBA}"/>
+                <a16:creationId xmlns:a16="http://schemas.microsoft.com/office/drawing/2014/main" id="{CBE6E988-915F-4BA2-A4E7-FF2EE5B8DEBA}"/>
               </a:ext>
             </a:extLst>
           </p:cNvPr>
@@ -8389,7 +8380,7 @@
           <p:cNvPr id="2" name="제목 1">
             <a:extLst>
               <a:ext uri="{FF2B5EF4-FFF2-40B4-BE49-F238E27FC236}">
-                <a16:creationId xmlns:a16="http://schemas.microsoft.com/office/drawing/2014/main" xmlns="" id="{A2B843C6-C83A-4372-AB81-3BEA71D13D78}"/>
+                <a16:creationId xmlns:a16="http://schemas.microsoft.com/office/drawing/2014/main" id="{A2B843C6-C83A-4372-AB81-3BEA71D13D78}"/>
               </a:ext>
             </a:extLst>
           </p:cNvPr>
@@ -8619,7 +8610,7 @@
           <p:cNvPr id="2" name="제목 1">
             <a:extLst>
               <a:ext uri="{FF2B5EF4-FFF2-40B4-BE49-F238E27FC236}">
-                <a16:creationId xmlns:a16="http://schemas.microsoft.com/office/drawing/2014/main" xmlns="" id="{71933683-729B-4ACE-B964-DE7A0B6FD032}"/>
+                <a16:creationId xmlns:a16="http://schemas.microsoft.com/office/drawing/2014/main" id="{71933683-729B-4ACE-B964-DE7A0B6FD032}"/>
               </a:ext>
             </a:extLst>
           </p:cNvPr>
@@ -8834,12 +8825,8 @@
           <a:p>
             <a:pPr lvl="1"/>
             <a:r>
-              <a:rPr lang="en-US" altLang="ko-KR" dirty="0" smtClean="0"/>
-              <a:t>1. [Server</a:t>
-            </a:r>
-            <a:r>
               <a:rPr lang="en-US" altLang="ko-KR" dirty="0"/>
-              <a:t>] </a:t>
+              <a:t>1. [Server] </a:t>
             </a:r>
             <a:r>
               <a:rPr lang="ko-KR" altLang="en-US" dirty="0"/>
@@ -8856,7 +8843,7 @@
           <p:cNvPr id="2" name="제목 1">
             <a:extLst>
               <a:ext uri="{FF2B5EF4-FFF2-40B4-BE49-F238E27FC236}">
-                <a16:creationId xmlns:a16="http://schemas.microsoft.com/office/drawing/2014/main" xmlns="" id="{8337F678-E6E1-4B00-A85D-2C76E3B16C3A}"/>
+                <a16:creationId xmlns:a16="http://schemas.microsoft.com/office/drawing/2014/main" id="{8337F678-E6E1-4B00-A85D-2C76E3B16C3A}"/>
               </a:ext>
             </a:extLst>
           </p:cNvPr>
@@ -9089,7 +9076,7 @@
           <p:cNvPr id="2" name="제목 1">
             <a:extLst>
               <a:ext uri="{FF2B5EF4-FFF2-40B4-BE49-F238E27FC236}">
-                <a16:creationId xmlns:a16="http://schemas.microsoft.com/office/drawing/2014/main" xmlns="" id="{341F414B-FDD8-4C03-AB49-DECDEF4D05C0}"/>
+                <a16:creationId xmlns:a16="http://schemas.microsoft.com/office/drawing/2014/main" id="{341F414B-FDD8-4C03-AB49-DECDEF4D05C0}"/>
               </a:ext>
             </a:extLst>
           </p:cNvPr>
@@ -9488,7 +9475,7 @@
           <p:cNvPr id="5" name="제목 4">
             <a:extLst>
               <a:ext uri="{FF2B5EF4-FFF2-40B4-BE49-F238E27FC236}">
-                <a16:creationId xmlns:a16="http://schemas.microsoft.com/office/drawing/2014/main" xmlns="" id="{06783CB3-0CC1-4F66-AD3A-1DBAC838811F}"/>
+                <a16:creationId xmlns:a16="http://schemas.microsoft.com/office/drawing/2014/main" id="{06783CB3-0CC1-4F66-AD3A-1DBAC838811F}"/>
               </a:ext>
             </a:extLst>
           </p:cNvPr>
@@ -9528,7 +9515,7 @@
           <p:cNvPr id="6" name="그림 5">
             <a:extLst>
               <a:ext uri="{FF2B5EF4-FFF2-40B4-BE49-F238E27FC236}">
-                <a16:creationId xmlns:a16="http://schemas.microsoft.com/office/drawing/2014/main" xmlns="" id="{0FC15975-AA7C-4C0C-94D5-A99848B64D6B}"/>
+                <a16:creationId xmlns:a16="http://schemas.microsoft.com/office/drawing/2014/main" id="{0FC15975-AA7C-4C0C-94D5-A99848B64D6B}"/>
               </a:ext>
             </a:extLst>
           </p:cNvPr>
@@ -9638,7 +9625,7 @@
           <p:cNvPr id="2" name="제목 1">
             <a:extLst>
               <a:ext uri="{FF2B5EF4-FFF2-40B4-BE49-F238E27FC236}">
-                <a16:creationId xmlns:a16="http://schemas.microsoft.com/office/drawing/2014/main" xmlns="" id="{2E9CA94B-F94A-4E80-9D8C-090151037119}"/>
+                <a16:creationId xmlns:a16="http://schemas.microsoft.com/office/drawing/2014/main" id="{2E9CA94B-F94A-4E80-9D8C-090151037119}"/>
               </a:ext>
             </a:extLst>
           </p:cNvPr>
@@ -9880,7 +9867,7 @@
           <p:cNvPr id="2" name="제목 1">
             <a:extLst>
               <a:ext uri="{FF2B5EF4-FFF2-40B4-BE49-F238E27FC236}">
-                <a16:creationId xmlns:a16="http://schemas.microsoft.com/office/drawing/2014/main" xmlns="" id="{E7E3085D-F688-4B4B-930F-3479D83F5064}"/>
+                <a16:creationId xmlns:a16="http://schemas.microsoft.com/office/drawing/2014/main" id="{E7E3085D-F688-4B4B-930F-3479D83F5064}"/>
               </a:ext>
             </a:extLst>
           </p:cNvPr>
@@ -10206,7 +10193,7 @@
           <p:cNvPr id="5" name="제목 4">
             <a:extLst>
               <a:ext uri="{FF2B5EF4-FFF2-40B4-BE49-F238E27FC236}">
-                <a16:creationId xmlns:a16="http://schemas.microsoft.com/office/drawing/2014/main" xmlns="" id="{0419C779-1D50-4E80-8B20-2395F8F90D25}"/>
+                <a16:creationId xmlns:a16="http://schemas.microsoft.com/office/drawing/2014/main" id="{0419C779-1D50-4E80-8B20-2395F8F90D25}"/>
               </a:ext>
             </a:extLst>
           </p:cNvPr>
@@ -10387,7 +10374,7 @@
           <p:cNvPr id="5" name="제목 4">
             <a:extLst>
               <a:ext uri="{FF2B5EF4-FFF2-40B4-BE49-F238E27FC236}">
-                <a16:creationId xmlns:a16="http://schemas.microsoft.com/office/drawing/2014/main" xmlns="" id="{4867759A-FAE8-485E-8D8B-33A1D62F0631}"/>
+                <a16:creationId xmlns:a16="http://schemas.microsoft.com/office/drawing/2014/main" id="{4867759A-FAE8-485E-8D8B-33A1D62F0631}"/>
               </a:ext>
             </a:extLst>
           </p:cNvPr>
@@ -10670,7 +10657,7 @@
           <p:cNvPr id="2" name="제목 1">
             <a:extLst>
               <a:ext uri="{FF2B5EF4-FFF2-40B4-BE49-F238E27FC236}">
-                <a16:creationId xmlns:a16="http://schemas.microsoft.com/office/drawing/2014/main" xmlns="" id="{93F3CB90-C355-406D-9E67-C6249AD7EAE7}"/>
+                <a16:creationId xmlns:a16="http://schemas.microsoft.com/office/drawing/2014/main" id="{93F3CB90-C355-406D-9E67-C6249AD7EAE7}"/>
               </a:ext>
             </a:extLst>
           </p:cNvPr>
@@ -11038,7 +11025,7 @@
           <p:cNvPr id="9" name="제목 8">
             <a:extLst>
               <a:ext uri="{FF2B5EF4-FFF2-40B4-BE49-F238E27FC236}">
-                <a16:creationId xmlns:a16="http://schemas.microsoft.com/office/drawing/2014/main" xmlns="" id="{1EA9707A-5B07-4190-BB44-18EC06586DA6}"/>
+                <a16:creationId xmlns:a16="http://schemas.microsoft.com/office/drawing/2014/main" id="{1EA9707A-5B07-4190-BB44-18EC06586DA6}"/>
               </a:ext>
             </a:extLst>
           </p:cNvPr>
@@ -11529,7 +11516,7 @@
           <p:cNvPr id="2" name="제목 1">
             <a:extLst>
               <a:ext uri="{FF2B5EF4-FFF2-40B4-BE49-F238E27FC236}">
-                <a16:creationId xmlns:a16="http://schemas.microsoft.com/office/drawing/2014/main" xmlns="" id="{BA76D2E1-3A4E-4E91-9551-7D15C54718F8}"/>
+                <a16:creationId xmlns:a16="http://schemas.microsoft.com/office/drawing/2014/main" id="{BA76D2E1-3A4E-4E91-9551-7D15C54718F8}"/>
               </a:ext>
             </a:extLst>
           </p:cNvPr>
@@ -11828,7 +11815,7 @@
           <p:cNvPr id="2" name="제목 1">
             <a:extLst>
               <a:ext uri="{FF2B5EF4-FFF2-40B4-BE49-F238E27FC236}">
-                <a16:creationId xmlns:a16="http://schemas.microsoft.com/office/drawing/2014/main" xmlns="" id="{0B1FD676-6E31-440E-987E-932BA369C729}"/>
+                <a16:creationId xmlns:a16="http://schemas.microsoft.com/office/drawing/2014/main" id="{0B1FD676-6E31-440E-987E-932BA369C729}"/>
               </a:ext>
             </a:extLst>
           </p:cNvPr>
@@ -12131,7 +12118,7 @@
           <p:cNvPr id="2" name="제목 1">
             <a:extLst>
               <a:ext uri="{FF2B5EF4-FFF2-40B4-BE49-F238E27FC236}">
-                <a16:creationId xmlns:a16="http://schemas.microsoft.com/office/drawing/2014/main" xmlns="" id="{B5DEC616-76D5-4600-9558-B204FE98DE88}"/>
+                <a16:creationId xmlns:a16="http://schemas.microsoft.com/office/drawing/2014/main" id="{B5DEC616-76D5-4600-9558-B204FE98DE88}"/>
               </a:ext>
             </a:extLst>
           </p:cNvPr>
@@ -12364,7 +12351,7 @@
           <p:cNvPr id="2" name="제목 1">
             <a:extLst>
               <a:ext uri="{FF2B5EF4-FFF2-40B4-BE49-F238E27FC236}">
-                <a16:creationId xmlns:a16="http://schemas.microsoft.com/office/drawing/2014/main" xmlns="" id="{466984E6-C0B0-4A86-9A35-64A896EA0689}"/>
+                <a16:creationId xmlns:a16="http://schemas.microsoft.com/office/drawing/2014/main" id="{466984E6-C0B0-4A86-9A35-64A896EA0689}"/>
               </a:ext>
             </a:extLst>
           </p:cNvPr>
@@ -12769,7 +12756,7 @@
           <p:cNvPr id="9" name="내용 개체 틀 8">
             <a:extLst>
               <a:ext uri="{FF2B5EF4-FFF2-40B4-BE49-F238E27FC236}">
-                <a16:creationId xmlns:a16="http://schemas.microsoft.com/office/drawing/2014/main" xmlns="" id="{6BB9202A-7266-4E30-8FF0-A40B69EAAFC1}"/>
+                <a16:creationId xmlns:a16="http://schemas.microsoft.com/office/drawing/2014/main" id="{6BB9202A-7266-4E30-8FF0-A40B69EAAFC1}"/>
               </a:ext>
             </a:extLst>
           </p:cNvPr>
@@ -12889,7 +12876,7 @@
           <p:cNvPr id="6" name="제목 5">
             <a:extLst>
               <a:ext uri="{FF2B5EF4-FFF2-40B4-BE49-F238E27FC236}">
-                <a16:creationId xmlns:a16="http://schemas.microsoft.com/office/drawing/2014/main" xmlns="" id="{1772D07C-8269-4C90-AB9B-7E8D9BBD65B8}"/>
+                <a16:creationId xmlns:a16="http://schemas.microsoft.com/office/drawing/2014/main" id="{1772D07C-8269-4C90-AB9B-7E8D9BBD65B8}"/>
               </a:ext>
             </a:extLst>
           </p:cNvPr>
@@ -12992,7 +12979,7 @@
           <p:cNvPr id="4" name="그림 3">
             <a:extLst>
               <a:ext uri="{FF2B5EF4-FFF2-40B4-BE49-F238E27FC236}">
-                <a16:creationId xmlns:a16="http://schemas.microsoft.com/office/drawing/2014/main" xmlns="" id="{EB1E9CAD-B03B-48A5-9394-B726054EAEAE}"/>
+                <a16:creationId xmlns:a16="http://schemas.microsoft.com/office/drawing/2014/main" id="{EB1E9CAD-B03B-48A5-9394-B726054EAEAE}"/>
               </a:ext>
             </a:extLst>
           </p:cNvPr>
@@ -13028,7 +13015,7 @@
           <p:cNvPr id="10" name="그림 9">
             <a:extLst>
               <a:ext uri="{FF2B5EF4-FFF2-40B4-BE49-F238E27FC236}">
-                <a16:creationId xmlns:a16="http://schemas.microsoft.com/office/drawing/2014/main" xmlns="" id="{FA4AB1E7-83A6-47C3-97C2-975E5E1C8003}"/>
+                <a16:creationId xmlns:a16="http://schemas.microsoft.com/office/drawing/2014/main" id="{FA4AB1E7-83A6-47C3-97C2-975E5E1C8003}"/>
               </a:ext>
             </a:extLst>
           </p:cNvPr>
@@ -13113,7 +13100,7 @@
           <p:cNvPr id="2" name="제목 1">
             <a:extLst>
               <a:ext uri="{FF2B5EF4-FFF2-40B4-BE49-F238E27FC236}">
-                <a16:creationId xmlns:a16="http://schemas.microsoft.com/office/drawing/2014/main" xmlns="" id="{705CC985-C84A-4CF3-841D-1A2F6C796392}"/>
+                <a16:creationId xmlns:a16="http://schemas.microsoft.com/office/drawing/2014/main" id="{705CC985-C84A-4CF3-841D-1A2F6C796392}"/>
               </a:ext>
             </a:extLst>
           </p:cNvPr>
@@ -13399,7 +13386,7 @@
           <p:cNvPr id="2" name="제목 1">
             <a:extLst>
               <a:ext uri="{FF2B5EF4-FFF2-40B4-BE49-F238E27FC236}">
-                <a16:creationId xmlns:a16="http://schemas.microsoft.com/office/drawing/2014/main" xmlns="" id="{8A41CFCE-9784-415D-85A2-50E82E6F106C}"/>
+                <a16:creationId xmlns:a16="http://schemas.microsoft.com/office/drawing/2014/main" id="{8A41CFCE-9784-415D-85A2-50E82E6F106C}"/>
               </a:ext>
             </a:extLst>
           </p:cNvPr>
@@ -13978,7 +13965,7 @@
           <p:cNvPr id="7" name="제목 6">
             <a:extLst>
               <a:ext uri="{FF2B5EF4-FFF2-40B4-BE49-F238E27FC236}">
-                <a16:creationId xmlns:a16="http://schemas.microsoft.com/office/drawing/2014/main" xmlns="" id="{19E802A2-8B22-46B5-9DFF-DB0375C4AEEE}"/>
+                <a16:creationId xmlns:a16="http://schemas.microsoft.com/office/drawing/2014/main" id="{19E802A2-8B22-46B5-9DFF-DB0375C4AEEE}"/>
               </a:ext>
             </a:extLst>
           </p:cNvPr>
@@ -14390,7 +14377,7 @@
           <p:cNvPr id="8" name="제목 7">
             <a:extLst>
               <a:ext uri="{FF2B5EF4-FFF2-40B4-BE49-F238E27FC236}">
-                <a16:creationId xmlns:a16="http://schemas.microsoft.com/office/drawing/2014/main" xmlns="" id="{C251D481-E26D-4757-90A3-BD9FA79117F0}"/>
+                <a16:creationId xmlns:a16="http://schemas.microsoft.com/office/drawing/2014/main" id="{C251D481-E26D-4757-90A3-BD9FA79117F0}"/>
               </a:ext>
             </a:extLst>
           </p:cNvPr>
@@ -14688,7 +14675,7 @@
           <p:cNvPr id="2" name="제목 1">
             <a:extLst>
               <a:ext uri="{FF2B5EF4-FFF2-40B4-BE49-F238E27FC236}">
-                <a16:creationId xmlns:a16="http://schemas.microsoft.com/office/drawing/2014/main" xmlns="" id="{33C89475-188C-415A-8C7E-C80CB3067826}"/>
+                <a16:creationId xmlns:a16="http://schemas.microsoft.com/office/drawing/2014/main" id="{33C89475-188C-415A-8C7E-C80CB3067826}"/>
               </a:ext>
             </a:extLst>
           </p:cNvPr>
@@ -15075,7 +15062,7 @@
           <p:cNvPr id="2" name="제목 1">
             <a:extLst>
               <a:ext uri="{FF2B5EF4-FFF2-40B4-BE49-F238E27FC236}">
-                <a16:creationId xmlns:a16="http://schemas.microsoft.com/office/drawing/2014/main" xmlns="" id="{C3AC723E-E27F-4F99-A1F4-08BF5C9D97AF}"/>
+                <a16:creationId xmlns:a16="http://schemas.microsoft.com/office/drawing/2014/main" id="{C3AC723E-E27F-4F99-A1F4-08BF5C9D97AF}"/>
               </a:ext>
             </a:extLst>
           </p:cNvPr>
@@ -15533,7 +15520,7 @@
           <p:cNvPr id="2" name="제목 1">
             <a:extLst>
               <a:ext uri="{FF2B5EF4-FFF2-40B4-BE49-F238E27FC236}">
-                <a16:creationId xmlns:a16="http://schemas.microsoft.com/office/drawing/2014/main" xmlns="" id="{74CC3418-552B-4A49-84E1-CADE974AA175}"/>
+                <a16:creationId xmlns:a16="http://schemas.microsoft.com/office/drawing/2014/main" id="{74CC3418-552B-4A49-84E1-CADE974AA175}"/>
               </a:ext>
             </a:extLst>
           </p:cNvPr>
@@ -15628,7 +15615,7 @@
           <p:cNvPr id="5" name="제목 4">
             <a:extLst>
               <a:ext uri="{FF2B5EF4-FFF2-40B4-BE49-F238E27FC236}">
-                <a16:creationId xmlns:a16="http://schemas.microsoft.com/office/drawing/2014/main" xmlns="" id="{A083513B-D334-4D19-A895-73BC2EC4CA1B}"/>
+                <a16:creationId xmlns:a16="http://schemas.microsoft.com/office/drawing/2014/main" id="{A083513B-D334-4D19-A895-73BC2EC4CA1B}"/>
               </a:ext>
             </a:extLst>
           </p:cNvPr>
@@ -15668,7 +15655,7 @@
           <p:cNvPr id="6" name="그림 5">
             <a:extLst>
               <a:ext uri="{FF2B5EF4-FFF2-40B4-BE49-F238E27FC236}">
-                <a16:creationId xmlns:a16="http://schemas.microsoft.com/office/drawing/2014/main" xmlns="" id="{B7FCAFA9-1575-4F1F-9087-19DC41A0BD1A}"/>
+                <a16:creationId xmlns:a16="http://schemas.microsoft.com/office/drawing/2014/main" id="{B7FCAFA9-1575-4F1F-9087-19DC41A0BD1A}"/>
               </a:ext>
             </a:extLst>
           </p:cNvPr>
@@ -15759,7 +15746,7 @@
           <p:cNvPr id="5" name="제목 4">
             <a:extLst>
               <a:ext uri="{FF2B5EF4-FFF2-40B4-BE49-F238E27FC236}">
-                <a16:creationId xmlns:a16="http://schemas.microsoft.com/office/drawing/2014/main" xmlns="" id="{551F2627-0043-46AA-9DFC-8A1CA0EE89BD}"/>
+                <a16:creationId xmlns:a16="http://schemas.microsoft.com/office/drawing/2014/main" id="{551F2627-0043-46AA-9DFC-8A1CA0EE89BD}"/>
               </a:ext>
             </a:extLst>
           </p:cNvPr>
@@ -15799,7 +15786,7 @@
           <p:cNvPr id="6" name="그림 5">
             <a:extLst>
               <a:ext uri="{FF2B5EF4-FFF2-40B4-BE49-F238E27FC236}">
-                <a16:creationId xmlns:a16="http://schemas.microsoft.com/office/drawing/2014/main" xmlns="" id="{A3DFFD6E-7B92-4DFB-BCF7-366F8E67A0C3}"/>
+                <a16:creationId xmlns:a16="http://schemas.microsoft.com/office/drawing/2014/main" id="{A3DFFD6E-7B92-4DFB-BCF7-366F8E67A0C3}"/>
               </a:ext>
             </a:extLst>
           </p:cNvPr>
@@ -16029,7 +16016,7 @@
           <p:cNvPr id="2" name="제목 1">
             <a:extLst>
               <a:ext uri="{FF2B5EF4-FFF2-40B4-BE49-F238E27FC236}">
-                <a16:creationId xmlns:a16="http://schemas.microsoft.com/office/drawing/2014/main" xmlns="" id="{25C65B88-8C71-4EB7-870C-DCD4A4EA7D9B}"/>
+                <a16:creationId xmlns:a16="http://schemas.microsoft.com/office/drawing/2014/main" id="{25C65B88-8C71-4EB7-870C-DCD4A4EA7D9B}"/>
               </a:ext>
             </a:extLst>
           </p:cNvPr>
@@ -16145,7 +16132,7 @@
           <p:cNvPr id="5" name="제목 4">
             <a:extLst>
               <a:ext uri="{FF2B5EF4-FFF2-40B4-BE49-F238E27FC236}">
-                <a16:creationId xmlns:a16="http://schemas.microsoft.com/office/drawing/2014/main" xmlns="" id="{2B728791-98FE-47D1-8C33-125E254354AB}"/>
+                <a16:creationId xmlns:a16="http://schemas.microsoft.com/office/drawing/2014/main" id="{2B728791-98FE-47D1-8C33-125E254354AB}"/>
               </a:ext>
             </a:extLst>
           </p:cNvPr>
@@ -16185,7 +16172,7 @@
           <p:cNvPr id="6" name="그림 5">
             <a:extLst>
               <a:ext uri="{FF2B5EF4-FFF2-40B4-BE49-F238E27FC236}">
-                <a16:creationId xmlns:a16="http://schemas.microsoft.com/office/drawing/2014/main" xmlns="" id="{D98CC1D6-207F-4CEC-8D7D-844A7B2A28B1}"/>
+                <a16:creationId xmlns:a16="http://schemas.microsoft.com/office/drawing/2014/main" id="{D98CC1D6-207F-4CEC-8D7D-844A7B2A28B1}"/>
               </a:ext>
             </a:extLst>
           </p:cNvPr>
